--- a/Slides/L5 The Relational Database Model.pptx
+++ b/Slides/L5 The Relational Database Model.pptx
@@ -18,21 +18,23 @@
     <p:sldId id="266" r:id="rId13"/>
     <p:sldId id="267" r:id="rId14"/>
     <p:sldId id="268" r:id="rId15"/>
-    <p:sldId id="269" r:id="rId16"/>
-    <p:sldId id="270" r:id="rId17"/>
-    <p:sldId id="271" r:id="rId18"/>
-    <p:sldId id="273" r:id="rId19"/>
-    <p:sldId id="274" r:id="rId20"/>
-    <p:sldId id="275" r:id="rId21"/>
-    <p:sldId id="276" r:id="rId22"/>
-    <p:sldId id="277" r:id="rId23"/>
-    <p:sldId id="278" r:id="rId24"/>
-    <p:sldId id="272" r:id="rId25"/>
+    <p:sldId id="281" r:id="rId16"/>
+    <p:sldId id="269" r:id="rId17"/>
+    <p:sldId id="270" r:id="rId18"/>
+    <p:sldId id="271" r:id="rId19"/>
+    <p:sldId id="273" r:id="rId20"/>
+    <p:sldId id="282" r:id="rId21"/>
+    <p:sldId id="274" r:id="rId22"/>
+    <p:sldId id="275" r:id="rId23"/>
+    <p:sldId id="276" r:id="rId24"/>
+    <p:sldId id="277" r:id="rId25"/>
+    <p:sldId id="278" r:id="rId26"/>
+    <p:sldId id="272" r:id="rId27"/>
   </p:sldIdLst>
   <p:sldSz cx="12192000" cy="6858000"/>
   <p:notesSz cx="6858000" cy="9144000"/>
   <p:custDataLst>
-    <p:tags r:id="rId29"/>
+    <p:tags r:id="rId31"/>
   </p:custDataLst>
   <p:defaultTextStyle>
     <a:defPPr>
@@ -4335,13 +4337,24 @@
               <a:rPr lang="en-US" altLang="zh-CN" sz="2800" dirty="0" smtClean="0"/>
               <a:t>.</a:t>
             </a:r>
-            <a:endParaRPr lang="zh-CN" altLang="en-US" sz="2800" dirty="0"/>
+            <a:endParaRPr lang="en-US" altLang="zh-CN" sz="2800" dirty="0" smtClean="0"/>
+          </a:p>
+          <a:p>
+            <a:r>
+              <a:rPr lang="en-US" altLang="zh-CN" sz="2800" dirty="0"/>
+              <a:t>Example: </a:t>
+            </a:r>
+            <a:r>
+              <a:rPr lang="en-US" altLang="zh-CN" sz="2800" b="1" dirty="0"/>
+              <a:t>Employee Table</a:t>
+            </a:r>
+            <a:endParaRPr lang="en-US" altLang="zh-CN" sz="2800" b="1" dirty="0"/>
           </a:p>
         </p:txBody>
       </p:sp>
       <p:pic>
         <p:nvPicPr>
-          <p:cNvPr id="4" name="图片 3"/>
+          <p:cNvPr id="5" name="Content Placeholder 3"/>
           <p:cNvPicPr>
             <a:picLocks noChangeAspect="1"/>
           </p:cNvPicPr>
@@ -4349,177 +4362,21 @@
         </p:nvPicPr>
         <p:blipFill>
           <a:blip r:embed="rId1"/>
+          <a:srcRect t="12750"/>
           <a:stretch>
             <a:fillRect/>
           </a:stretch>
         </p:blipFill>
         <p:spPr>
           <a:xfrm>
-            <a:off x="1069848" y="3314700"/>
-            <a:ext cx="5438775" cy="2057400"/>
+            <a:off x="1845310" y="3515360"/>
+            <a:ext cx="8209915" cy="3190240"/>
           </a:xfrm>
           <a:prstGeom prst="rect">
             <a:avLst/>
           </a:prstGeom>
         </p:spPr>
       </p:pic>
-      <p:sp>
-        <p:nvSpPr>
-          <p:cNvPr id="6" name="矩形 5"/>
-          <p:cNvSpPr/>
-          <p:nvPr/>
-        </p:nvSpPr>
-        <p:spPr>
-          <a:xfrm>
-            <a:off x="2910340" y="3314700"/>
-            <a:ext cx="3188708" cy="523220"/>
-          </a:xfrm>
-          <a:prstGeom prst="rect">
-            <a:avLst/>
-          </a:prstGeom>
-          <a:noFill/>
-        </p:spPr>
-        <p:txBody>
-          <a:bodyPr wrap="square" lIns="91440" tIns="45720" rIns="91440" bIns="45720">
-            <a:spAutoFit/>
-          </a:bodyPr>
-          <a:lstStyle/>
-          <a:p>
-            <a:pPr algn="ctr"/>
-            <a:r>
-              <a:rPr lang="en-US" altLang="zh-CN" sz="2800" dirty="0" smtClean="0">
-                <a:solidFill>
-                  <a:srgbClr val="FF0000"/>
-                </a:solidFill>
-                <a:sym typeface="Wingdings" panose="05000000000000000000" pitchFamily="2" charset="2"/>
-              </a:rPr>
-              <a:t></a:t>
-            </a:r>
-            <a:r>
-              <a:rPr lang="en-US" altLang="zh-CN" sz="2800" dirty="0" smtClean="0">
-                <a:solidFill>
-                  <a:srgbClr val="FF0000"/>
-                </a:solidFill>
-              </a:rPr>
-              <a:t>candidate </a:t>
-            </a:r>
-            <a:r>
-              <a:rPr lang="en-US" altLang="zh-CN" sz="2800" dirty="0">
-                <a:solidFill>
-                  <a:srgbClr val="FF0000"/>
-                </a:solidFill>
-              </a:rPr>
-              <a:t>key</a:t>
-            </a:r>
-            <a:endParaRPr lang="zh-CN" altLang="en-US" sz="2800" b="0" cap="none" spc="0" dirty="0">
-              <a:ln w="0"/>
-              <a:solidFill>
-                <a:srgbClr val="FF0000"/>
-              </a:solidFill>
-              <a:effectLst>
-                <a:outerShdw blurRad="38100" dist="19050" dir="2700000" algn="tl" rotWithShape="0">
-                  <a:schemeClr val="dk1">
-                    <a:alpha val="40000"/>
-                  </a:schemeClr>
-                </a:outerShdw>
-              </a:effectLst>
-            </a:endParaRPr>
-          </a:p>
-        </p:txBody>
-      </p:sp>
-      <p:sp>
-        <p:nvSpPr>
-          <p:cNvPr id="12" name="矩形 11"/>
-          <p:cNvSpPr/>
-          <p:nvPr/>
-        </p:nvSpPr>
-        <p:spPr>
-          <a:xfrm>
-            <a:off x="4218813" y="5649097"/>
-            <a:ext cx="3188708" cy="523220"/>
-          </a:xfrm>
-          <a:prstGeom prst="rect">
-            <a:avLst/>
-          </a:prstGeom>
-          <a:noFill/>
-        </p:spPr>
-        <p:txBody>
-          <a:bodyPr wrap="square" lIns="91440" tIns="45720" rIns="91440" bIns="45720">
-            <a:spAutoFit/>
-          </a:bodyPr>
-          <a:lstStyle/>
-          <a:p>
-            <a:pPr algn="ctr"/>
-            <a:r>
-              <a:rPr lang="en-US" altLang="zh-CN" sz="2800" dirty="0" smtClean="0">
-                <a:solidFill>
-                  <a:srgbClr val="FF0000"/>
-                </a:solidFill>
-                <a:sym typeface="Wingdings" panose="05000000000000000000" pitchFamily="2" charset="2"/>
-              </a:rPr>
-              <a:t></a:t>
-            </a:r>
-            <a:r>
-              <a:rPr lang="en-US" altLang="zh-CN" sz="2800" dirty="0" smtClean="0">
-                <a:solidFill>
-                  <a:srgbClr val="FF0000"/>
-                </a:solidFill>
-              </a:rPr>
-              <a:t>candidate </a:t>
-            </a:r>
-            <a:r>
-              <a:rPr lang="en-US" altLang="zh-CN" sz="2800" dirty="0">
-                <a:solidFill>
-                  <a:srgbClr val="FF0000"/>
-                </a:solidFill>
-              </a:rPr>
-              <a:t>key</a:t>
-            </a:r>
-            <a:endParaRPr lang="zh-CN" altLang="en-US" sz="2800" b="0" cap="none" spc="0" dirty="0">
-              <a:ln w="0"/>
-              <a:solidFill>
-                <a:srgbClr val="FF0000"/>
-              </a:solidFill>
-              <a:effectLst>
-                <a:outerShdw blurRad="38100" dist="19050" dir="2700000" algn="tl" rotWithShape="0">
-                  <a:schemeClr val="dk1">
-                    <a:alpha val="40000"/>
-                  </a:schemeClr>
-                </a:outerShdw>
-              </a:effectLst>
-            </a:endParaRPr>
-          </a:p>
-        </p:txBody>
-      </p:sp>
-      <p:sp>
-        <p:nvSpPr>
-          <p:cNvPr id="7" name="文本框 6"/>
-          <p:cNvSpPr txBox="1"/>
-          <p:nvPr/>
-        </p:nvSpPr>
-        <p:spPr>
-          <a:xfrm>
-            <a:off x="1200785" y="5650230"/>
-            <a:ext cx="4076700" cy="521970"/>
-          </a:xfrm>
-          <a:prstGeom prst="rect">
-            <a:avLst/>
-          </a:prstGeom>
-          <a:noFill/>
-        </p:spPr>
-        <p:txBody>
-          <a:bodyPr wrap="square" rtlCol="0">
-            <a:spAutoFit/>
-          </a:bodyPr>
-          <a:p>
-            <a:r>
-              <a:rPr lang="en-US" altLang="zh-CN" sz="2800" b="1"/>
-              <a:t>ClassID, SeatID</a:t>
-            </a:r>
-            <a:endParaRPr lang="en-US" altLang="zh-CN" sz="2800" b="1"/>
-          </a:p>
-        </p:txBody>
-      </p:sp>
     </p:spTree>
   </p:cSld>
   <p:clrMapOvr>
@@ -4680,6 +4537,73 @@
         <p:cNvGrpSpPr/>
         <p:nvPr/>
       </p:nvGrpSpPr>
+      <p:grpSpPr/>
+      <p:sp>
+        <p:nvSpPr>
+          <p:cNvPr id="2" name="Title 1"/>
+          <p:cNvSpPr>
+            <a:spLocks noGrp="1"/>
+          </p:cNvSpPr>
+          <p:nvPr>
+            <p:ph type="title"/>
+          </p:nvPr>
+        </p:nvSpPr>
+        <p:spPr/>
+        <p:txBody>
+          <a:bodyPr/>
+          <a:p>
+            <a:r>
+              <a:rPr lang="en-US"/>
+              <a:t>Primary Key (Cont...)</a:t>
+            </a:r>
+            <a:endParaRPr lang="en-US"/>
+          </a:p>
+        </p:txBody>
+      </p:sp>
+      <p:pic>
+        <p:nvPicPr>
+          <p:cNvPr id="4" name="Content Placeholder 3"/>
+          <p:cNvPicPr>
+            <a:picLocks noChangeAspect="1"/>
+          </p:cNvPicPr>
+          <p:nvPr>
+            <p:ph idx="1"/>
+          </p:nvPr>
+        </p:nvPicPr>
+        <p:blipFill>
+          <a:blip r:embed="rId1"/>
+          <a:srcRect t="6239"/>
+          <a:stretch>
+            <a:fillRect/>
+          </a:stretch>
+        </p:blipFill>
+        <p:spPr>
+          <a:xfrm>
+            <a:off x="1127760" y="1738630"/>
+            <a:ext cx="9603740" cy="4732020"/>
+          </a:xfrm>
+          <a:prstGeom prst="rect">
+            <a:avLst/>
+          </a:prstGeom>
+        </p:spPr>
+      </p:pic>
+    </p:spTree>
+  </p:cSld>
+  <p:clrMapOvr>
+    <a:masterClrMapping/>
+  </p:clrMapOvr>
+</p:sld>
+</file>
+
+<file path=ppt/slides/slide15.xml><?xml version="1.0" encoding="utf-8"?>
+<p:sld xmlns:a="http://schemas.openxmlformats.org/drawingml/2006/main" xmlns:r="http://schemas.openxmlformats.org/officeDocument/2006/relationships" xmlns:p="http://schemas.openxmlformats.org/presentationml/2006/main">
+  <p:cSld>
+    <p:spTree>
+      <p:nvGrpSpPr>
+        <p:cNvPr id="1" name=""/>
+        <p:cNvGrpSpPr/>
+        <p:nvPr/>
+      </p:nvGrpSpPr>
       <p:grpSpPr>
         <a:xfrm>
           <a:off x="0" y="0"/>
@@ -4779,7 +4703,7 @@
 </p:sld>
 </file>
 
-<file path=ppt/slides/slide15.xml><?xml version="1.0" encoding="utf-8"?>
+<file path=ppt/slides/slide16.xml><?xml version="1.0" encoding="utf-8"?>
 <p:sld xmlns:a="http://schemas.openxmlformats.org/drawingml/2006/main" xmlns:r="http://schemas.openxmlformats.org/officeDocument/2006/relationships" xmlns:p="http://schemas.openxmlformats.org/presentationml/2006/main">
   <p:cSld>
     <p:spTree>
@@ -4888,7 +4812,7 @@
 </p:sld>
 </file>
 
-<file path=ppt/slides/slide16.xml><?xml version="1.0" encoding="utf-8"?>
+<file path=ppt/slides/slide17.xml><?xml version="1.0" encoding="utf-8"?>
 <p:sld xmlns:a="http://schemas.openxmlformats.org/drawingml/2006/main" xmlns:r="http://schemas.openxmlformats.org/officeDocument/2006/relationships" xmlns:p="http://schemas.openxmlformats.org/presentationml/2006/main">
   <p:cSld>
     <p:spTree>
@@ -4993,7 +4917,7 @@
 </p:sld>
 </file>
 
-<file path=ppt/slides/slide17.xml><?xml version="1.0" encoding="utf-8"?>
+<file path=ppt/slides/slide18.xml><?xml version="1.0" encoding="utf-8"?>
 <p:sld xmlns:a="http://schemas.openxmlformats.org/drawingml/2006/main" xmlns:r="http://schemas.openxmlformats.org/officeDocument/2006/relationships" xmlns:p="http://schemas.openxmlformats.org/presentationml/2006/main">
   <p:cSld>
     <p:spTree>
@@ -5107,7 +5031,239 @@
 </p:sld>
 </file>
 
-<file path=ppt/slides/slide18.xml><?xml version="1.0" encoding="utf-8"?>
+<file path=ppt/slides/slide19.xml><?xml version="1.0" encoding="utf-8"?>
+<p:sld xmlns:a="http://schemas.openxmlformats.org/drawingml/2006/main" xmlns:r="http://schemas.openxmlformats.org/officeDocument/2006/relationships" xmlns:p="http://schemas.openxmlformats.org/presentationml/2006/main">
+  <p:cSld>
+    <p:spTree>
+      <p:nvGrpSpPr>
+        <p:cNvPr id="1" name=""/>
+        <p:cNvGrpSpPr/>
+        <p:nvPr/>
+      </p:nvGrpSpPr>
+      <p:grpSpPr/>
+      <p:sp>
+        <p:nvSpPr>
+          <p:cNvPr id="2" name="Title 1"/>
+          <p:cNvSpPr>
+            <a:spLocks noGrp="1"/>
+          </p:cNvSpPr>
+          <p:nvPr>
+            <p:ph type="title"/>
+          </p:nvPr>
+        </p:nvSpPr>
+        <p:spPr/>
+        <p:txBody>
+          <a:bodyPr/>
+          <a:p>
+            <a:r>
+              <a:rPr lang="en-US"/>
+              <a:t>Secondary Key</a:t>
+            </a:r>
+            <a:endParaRPr lang="en-US"/>
+          </a:p>
+        </p:txBody>
+      </p:sp>
+      <p:pic>
+        <p:nvPicPr>
+          <p:cNvPr id="10" name="Content Placeholder 9"/>
+          <p:cNvPicPr>
+            <a:picLocks noChangeAspect="1"/>
+          </p:cNvPicPr>
+          <p:nvPr>
+            <p:ph idx="1"/>
+          </p:nvPr>
+        </p:nvPicPr>
+        <p:blipFill>
+          <a:blip r:embed="rId1"/>
+          <a:srcRect t="13623"/>
+          <a:stretch>
+            <a:fillRect/>
+          </a:stretch>
+        </p:blipFill>
+        <p:spPr>
+          <a:xfrm>
+            <a:off x="1175385" y="1911350"/>
+            <a:ext cx="8867140" cy="3498850"/>
+          </a:xfrm>
+          <a:prstGeom prst="rect">
+            <a:avLst/>
+          </a:prstGeom>
+        </p:spPr>
+      </p:pic>
+    </p:spTree>
+  </p:cSld>
+  <p:clrMapOvr>
+    <a:masterClrMapping/>
+  </p:clrMapOvr>
+</p:sld>
+</file>
+
+<file path=ppt/slides/slide2.xml><?xml version="1.0" encoding="utf-8"?>
+<p:sld xmlns:a="http://schemas.openxmlformats.org/drawingml/2006/main" xmlns:r="http://schemas.openxmlformats.org/officeDocument/2006/relationships" xmlns:p="http://schemas.openxmlformats.org/presentationml/2006/main">
+  <p:cSld>
+    <p:spTree>
+      <p:nvGrpSpPr>
+        <p:cNvPr id="1" name=""/>
+        <p:cNvGrpSpPr/>
+        <p:nvPr/>
+      </p:nvGrpSpPr>
+      <p:grpSpPr>
+        <a:xfrm>
+          <a:off x="0" y="0"/>
+          <a:ext cx="0" cy="0"/>
+          <a:chOff x="0" y="0"/>
+          <a:chExt cx="0" cy="0"/>
+        </a:xfrm>
+      </p:grpSpPr>
+      <p:sp>
+        <p:nvSpPr>
+          <p:cNvPr id="2" name="标题 1"/>
+          <p:cNvSpPr>
+            <a:spLocks noGrp="1"/>
+          </p:cNvSpPr>
+          <p:nvPr>
+            <p:ph type="title"/>
+          </p:nvPr>
+        </p:nvSpPr>
+        <p:spPr/>
+        <p:txBody>
+          <a:bodyPr/>
+          <a:lstStyle/>
+          <a:p>
+            <a:r>
+              <a:rPr lang="en-US" altLang="zh-CN" dirty="0" smtClean="0"/>
+              <a:t>Content</a:t>
+            </a:r>
+            <a:endParaRPr lang="zh-CN" altLang="en-US" dirty="0"/>
+          </a:p>
+        </p:txBody>
+      </p:sp>
+      <p:sp>
+        <p:nvSpPr>
+          <p:cNvPr id="3" name="内容占位符 2"/>
+          <p:cNvSpPr>
+            <a:spLocks noGrp="1"/>
+          </p:cNvSpPr>
+          <p:nvPr>
+            <p:ph idx="1"/>
+          </p:nvPr>
+        </p:nvSpPr>
+        <p:spPr/>
+        <p:txBody>
+          <a:bodyPr>
+            <a:normAutofit lnSpcReduction="10000"/>
+          </a:bodyPr>
+          <a:lstStyle/>
+          <a:p>
+            <a:r>
+              <a:rPr lang="en-US" altLang="zh-CN" sz="3200" b="1" dirty="0" smtClean="0">
+                <a:solidFill>
+                  <a:srgbClr val="FF0000"/>
+                </a:solidFill>
+              </a:rPr>
+              <a:t>Table</a:t>
+            </a:r>
+            <a:endParaRPr lang="en-US" altLang="zh-CN" sz="3200" b="1" dirty="0" smtClean="0">
+              <a:solidFill>
+                <a:srgbClr val="FF0000"/>
+              </a:solidFill>
+            </a:endParaRPr>
+          </a:p>
+          <a:p>
+            <a:r>
+              <a:rPr lang="en-US" altLang="zh-CN" sz="3200" b="1" dirty="0" smtClean="0">
+                <a:solidFill>
+                  <a:srgbClr val="FF0000"/>
+                </a:solidFill>
+              </a:rPr>
+              <a:t>Keys</a:t>
+            </a:r>
+            <a:endParaRPr lang="en-US" altLang="zh-CN" sz="3200" b="1" dirty="0" smtClean="0">
+              <a:solidFill>
+                <a:srgbClr val="FF0000"/>
+              </a:solidFill>
+            </a:endParaRPr>
+          </a:p>
+          <a:p>
+            <a:r>
+              <a:rPr lang="en-US" altLang="zh-CN" sz="3200" b="1" dirty="0" smtClean="0">
+                <a:solidFill>
+                  <a:srgbClr val="FF0000"/>
+                </a:solidFill>
+              </a:rPr>
+              <a:t>Integrity rules</a:t>
+            </a:r>
+            <a:endParaRPr lang="en-US" altLang="zh-CN" sz="3200" b="1" dirty="0" smtClean="0">
+              <a:solidFill>
+                <a:srgbClr val="FF0000"/>
+              </a:solidFill>
+            </a:endParaRPr>
+          </a:p>
+          <a:p>
+            <a:r>
+              <a:rPr lang="en-US" altLang="zh-CN" sz="3200" b="1" dirty="0" smtClean="0">
+                <a:solidFill>
+                  <a:srgbClr val="FF0000"/>
+                </a:solidFill>
+              </a:rPr>
+              <a:t>Relational set operators</a:t>
+            </a:r>
+            <a:endParaRPr lang="en-US" altLang="zh-CN" sz="3200" b="1" dirty="0" smtClean="0">
+              <a:solidFill>
+                <a:srgbClr val="FF0000"/>
+              </a:solidFill>
+            </a:endParaRPr>
+          </a:p>
+          <a:p>
+            <a:r>
+              <a:rPr lang="en-US" altLang="zh-CN" sz="3200" b="1" dirty="0" smtClean="0"/>
+              <a:t>The data dictionary</a:t>
+            </a:r>
+            <a:endParaRPr lang="en-US" altLang="zh-CN" sz="3200" b="1" dirty="0" smtClean="0"/>
+          </a:p>
+          <a:p>
+            <a:r>
+              <a:rPr lang="en-US" altLang="zh-CN" sz="3200" b="1" dirty="0" smtClean="0">
+                <a:solidFill>
+                  <a:srgbClr val="FF0000"/>
+                </a:solidFill>
+              </a:rPr>
+              <a:t>Relationships within the relational database</a:t>
+            </a:r>
+            <a:endParaRPr lang="en-US" altLang="zh-CN" sz="3200" b="1" dirty="0" smtClean="0">
+              <a:solidFill>
+                <a:srgbClr val="FF0000"/>
+              </a:solidFill>
+            </a:endParaRPr>
+          </a:p>
+          <a:p>
+            <a:r>
+              <a:rPr lang="en-US" altLang="zh-CN" sz="3200" b="1" dirty="0" smtClean="0"/>
+              <a:t>Index</a:t>
+            </a:r>
+            <a:endParaRPr lang="en-US" altLang="zh-CN" sz="3200" b="1" dirty="0" smtClean="0"/>
+          </a:p>
+          <a:p>
+            <a:endParaRPr lang="zh-CN" altLang="en-US" dirty="0"/>
+          </a:p>
+        </p:txBody>
+      </p:sp>
+    </p:spTree>
+  </p:cSld>
+  <p:clrMapOvr>
+    <a:masterClrMapping/>
+  </p:clrMapOvr>
+  <p:timing>
+    <p:tnLst>
+      <p:par>
+        <p:cTn id="1" dur="indefinite" restart="never" nodeType="tmRoot"/>
+      </p:par>
+    </p:tnLst>
+  </p:timing>
+</p:sld>
+</file>
+
+<file path=ppt/slides/slide20.xml><?xml version="1.0" encoding="utf-8"?>
 <p:sld xmlns:a="http://schemas.openxmlformats.org/drawingml/2006/main" xmlns:r="http://schemas.openxmlformats.org/officeDocument/2006/relationships" xmlns:p="http://schemas.openxmlformats.org/presentationml/2006/main">
   <p:cSld>
     <p:spTree>
@@ -5199,7 +5355,7 @@
 </p:sld>
 </file>
 
-<file path=ppt/slides/slide19.xml><?xml version="1.0" encoding="utf-8"?>
+<file path=ppt/slides/slide21.xml><?xml version="1.0" encoding="utf-8"?>
 <p:sld xmlns:a="http://schemas.openxmlformats.org/drawingml/2006/main" xmlns:r="http://schemas.openxmlformats.org/officeDocument/2006/relationships" xmlns:p="http://schemas.openxmlformats.org/presentationml/2006/main">
   <p:cSld>
     <p:spTree>
@@ -5314,172 +5470,7 @@
 </p:sld>
 </file>
 
-<file path=ppt/slides/slide2.xml><?xml version="1.0" encoding="utf-8"?>
-<p:sld xmlns:a="http://schemas.openxmlformats.org/drawingml/2006/main" xmlns:r="http://schemas.openxmlformats.org/officeDocument/2006/relationships" xmlns:p="http://schemas.openxmlformats.org/presentationml/2006/main">
-  <p:cSld>
-    <p:spTree>
-      <p:nvGrpSpPr>
-        <p:cNvPr id="1" name=""/>
-        <p:cNvGrpSpPr/>
-        <p:nvPr/>
-      </p:nvGrpSpPr>
-      <p:grpSpPr>
-        <a:xfrm>
-          <a:off x="0" y="0"/>
-          <a:ext cx="0" cy="0"/>
-          <a:chOff x="0" y="0"/>
-          <a:chExt cx="0" cy="0"/>
-        </a:xfrm>
-      </p:grpSpPr>
-      <p:sp>
-        <p:nvSpPr>
-          <p:cNvPr id="2" name="标题 1"/>
-          <p:cNvSpPr>
-            <a:spLocks noGrp="1"/>
-          </p:cNvSpPr>
-          <p:nvPr>
-            <p:ph type="title"/>
-          </p:nvPr>
-        </p:nvSpPr>
-        <p:spPr/>
-        <p:txBody>
-          <a:bodyPr/>
-          <a:lstStyle/>
-          <a:p>
-            <a:r>
-              <a:rPr lang="en-US" altLang="zh-CN" dirty="0" smtClean="0"/>
-              <a:t>Content</a:t>
-            </a:r>
-            <a:endParaRPr lang="zh-CN" altLang="en-US" dirty="0"/>
-          </a:p>
-        </p:txBody>
-      </p:sp>
-      <p:sp>
-        <p:nvSpPr>
-          <p:cNvPr id="3" name="内容占位符 2"/>
-          <p:cNvSpPr>
-            <a:spLocks noGrp="1"/>
-          </p:cNvSpPr>
-          <p:nvPr>
-            <p:ph idx="1"/>
-          </p:nvPr>
-        </p:nvSpPr>
-        <p:spPr/>
-        <p:txBody>
-          <a:bodyPr>
-            <a:normAutofit lnSpcReduction="10000"/>
-          </a:bodyPr>
-          <a:lstStyle/>
-          <a:p>
-            <a:r>
-              <a:rPr lang="en-US" altLang="zh-CN" sz="3200" b="1" dirty="0" smtClean="0">
-                <a:solidFill>
-                  <a:srgbClr val="FF0000"/>
-                </a:solidFill>
-              </a:rPr>
-              <a:t>Table</a:t>
-            </a:r>
-            <a:endParaRPr lang="en-US" altLang="zh-CN" sz="3200" b="1" dirty="0" smtClean="0">
-              <a:solidFill>
-                <a:srgbClr val="FF0000"/>
-              </a:solidFill>
-            </a:endParaRPr>
-          </a:p>
-          <a:p>
-            <a:r>
-              <a:rPr lang="en-US" altLang="zh-CN" sz="3200" b="1" dirty="0" smtClean="0">
-                <a:solidFill>
-                  <a:srgbClr val="FF0000"/>
-                </a:solidFill>
-              </a:rPr>
-              <a:t>Keys</a:t>
-            </a:r>
-            <a:endParaRPr lang="en-US" altLang="zh-CN" sz="3200" b="1" dirty="0" smtClean="0">
-              <a:solidFill>
-                <a:srgbClr val="FF0000"/>
-              </a:solidFill>
-            </a:endParaRPr>
-          </a:p>
-          <a:p>
-            <a:r>
-              <a:rPr lang="en-US" altLang="zh-CN" sz="3200" b="1" dirty="0" smtClean="0">
-                <a:solidFill>
-                  <a:srgbClr val="FF0000"/>
-                </a:solidFill>
-              </a:rPr>
-              <a:t>Integrity rules</a:t>
-            </a:r>
-            <a:endParaRPr lang="en-US" altLang="zh-CN" sz="3200" b="1" dirty="0" smtClean="0">
-              <a:solidFill>
-                <a:srgbClr val="FF0000"/>
-              </a:solidFill>
-            </a:endParaRPr>
-          </a:p>
-          <a:p>
-            <a:r>
-              <a:rPr lang="en-US" altLang="zh-CN" sz="3200" b="1" dirty="0" smtClean="0">
-                <a:solidFill>
-                  <a:srgbClr val="FF0000"/>
-                </a:solidFill>
-              </a:rPr>
-              <a:t>Relational set operators</a:t>
-            </a:r>
-            <a:endParaRPr lang="en-US" altLang="zh-CN" sz="3200" b="1" dirty="0" smtClean="0">
-              <a:solidFill>
-                <a:srgbClr val="FF0000"/>
-              </a:solidFill>
-            </a:endParaRPr>
-          </a:p>
-          <a:p>
-            <a:r>
-              <a:rPr lang="en-US" altLang="zh-CN" sz="3200" b="1" dirty="0" smtClean="0"/>
-              <a:t>The data dictionary</a:t>
-            </a:r>
-            <a:endParaRPr lang="en-US" altLang="zh-CN" sz="3200" b="1" dirty="0" smtClean="0"/>
-          </a:p>
-          <a:p>
-            <a:r>
-              <a:rPr lang="en-US" altLang="zh-CN" sz="3200" b="1" dirty="0" smtClean="0">
-                <a:solidFill>
-                  <a:srgbClr val="FF0000"/>
-                </a:solidFill>
-              </a:rPr>
-              <a:t>Relationships within the relational database</a:t>
-            </a:r>
-            <a:endParaRPr lang="en-US" altLang="zh-CN" sz="3200" b="1" dirty="0" smtClean="0">
-              <a:solidFill>
-                <a:srgbClr val="FF0000"/>
-              </a:solidFill>
-            </a:endParaRPr>
-          </a:p>
-          <a:p>
-            <a:r>
-              <a:rPr lang="en-US" altLang="zh-CN" sz="3200" b="1" dirty="0" smtClean="0"/>
-              <a:t>Index</a:t>
-            </a:r>
-            <a:endParaRPr lang="en-US" altLang="zh-CN" sz="3200" b="1" dirty="0" smtClean="0"/>
-          </a:p>
-          <a:p>
-            <a:endParaRPr lang="zh-CN" altLang="en-US" dirty="0"/>
-          </a:p>
-        </p:txBody>
-      </p:sp>
-    </p:spTree>
-  </p:cSld>
-  <p:clrMapOvr>
-    <a:masterClrMapping/>
-  </p:clrMapOvr>
-  <p:timing>
-    <p:tnLst>
-      <p:par>
-        <p:cTn id="1" dur="indefinite" restart="never" nodeType="tmRoot"/>
-      </p:par>
-    </p:tnLst>
-  </p:timing>
-</p:sld>
-</file>
-
-<file path=ppt/slides/slide20.xml><?xml version="1.0" encoding="utf-8"?>
+<file path=ppt/slides/slide22.xml><?xml version="1.0" encoding="utf-8"?>
 <p:sld xmlns:a="http://schemas.openxmlformats.org/drawingml/2006/main" xmlns:r="http://schemas.openxmlformats.org/officeDocument/2006/relationships" xmlns:p="http://schemas.openxmlformats.org/presentationml/2006/main">
   <p:cSld>
     <p:spTree>
@@ -5580,7 +5571,7 @@
 </p:sld>
 </file>
 
-<file path=ppt/slides/slide21.xml><?xml version="1.0" encoding="utf-8"?>
+<file path=ppt/slides/slide23.xml><?xml version="1.0" encoding="utf-8"?>
 <p:sld xmlns:a="http://schemas.openxmlformats.org/drawingml/2006/main" xmlns:r="http://schemas.openxmlformats.org/officeDocument/2006/relationships" xmlns:p="http://schemas.openxmlformats.org/presentationml/2006/main">
   <p:cSld>
     <p:spTree>
@@ -5745,7 +5736,7 @@
 </p:sld>
 </file>
 
-<file path=ppt/slides/slide22.xml><?xml version="1.0" encoding="utf-8"?>
+<file path=ppt/slides/slide24.xml><?xml version="1.0" encoding="utf-8"?>
 <p:sld xmlns:a="http://schemas.openxmlformats.org/drawingml/2006/main" xmlns:r="http://schemas.openxmlformats.org/officeDocument/2006/relationships" xmlns:p="http://schemas.openxmlformats.org/presentationml/2006/main">
   <p:cSld>
     <p:spTree>
@@ -5894,7 +5885,7 @@
 </p:sld>
 </file>
 
-<file path=ppt/slides/slide23.xml><?xml version="1.0" encoding="utf-8"?>
+<file path=ppt/slides/slide25.xml><?xml version="1.0" encoding="utf-8"?>
 <p:sld xmlns:a="http://schemas.openxmlformats.org/drawingml/2006/main" xmlns:r="http://schemas.openxmlformats.org/officeDocument/2006/relationships" xmlns:p="http://schemas.openxmlformats.org/presentationml/2006/main">
   <p:cSld>
     <p:spTree>
